--- a/Ross Joy of Painting/hw04_Over_Lisa_ross_db_model.pptx
+++ b/Ross Joy of Painting/hw04_Over_Lisa_ross_db_model.pptx
@@ -203,7 +203,7 @@
           <a:p>
             <a:fld id="{6831E22B-9873-A448-AE08-4DDD3B823C68}" type="datetimeFigureOut">
               <a:rPr lang="en-US" smtClean="0"/>
-              <a:t>3/8/21</a:t>
+              <a:t>3/9/21</a:t>
             </a:fld>
             <a:endParaRPr lang="en-US"/>
           </a:p>
@@ -470,6 +470,90 @@
 </p:notesMaster>
 </file>
 
+<file path=ppt/notesSlides/notesSlide1.xml><?xml version="1.0" encoding="utf-8"?>
+<p:notes xmlns:a="http://schemas.openxmlformats.org/drawingml/2006/main" xmlns:r="http://schemas.openxmlformats.org/officeDocument/2006/relationships" xmlns:p="http://schemas.openxmlformats.org/presentationml/2006/main">
+  <p:cSld>
+    <p:spTree>
+      <p:nvGrpSpPr>
+        <p:cNvPr id="1" name=""/>
+        <p:cNvGrpSpPr/>
+        <p:nvPr/>
+      </p:nvGrpSpPr>
+      <p:grpSpPr>
+        <a:xfrm>
+          <a:off x="0" y="0"/>
+          <a:ext cx="0" cy="0"/>
+          <a:chOff x="0" y="0"/>
+          <a:chExt cx="0" cy="0"/>
+        </a:xfrm>
+      </p:grpSpPr>
+      <p:sp>
+        <p:nvSpPr>
+          <p:cNvPr id="2" name="Slide Image Placeholder 1"/>
+          <p:cNvSpPr>
+            <a:spLocks noGrp="1" noRot="1" noChangeAspect="1"/>
+          </p:cNvSpPr>
+          <p:nvPr>
+            <p:ph type="sldImg"/>
+          </p:nvPr>
+        </p:nvSpPr>
+        <p:spPr/>
+      </p:sp>
+      <p:sp>
+        <p:nvSpPr>
+          <p:cNvPr id="3" name="Notes Placeholder 2"/>
+          <p:cNvSpPr>
+            <a:spLocks noGrp="1"/>
+          </p:cNvSpPr>
+          <p:nvPr>
+            <p:ph type="body" idx="1"/>
+          </p:nvPr>
+        </p:nvSpPr>
+        <p:spPr/>
+        <p:txBody>
+          <a:bodyPr/>
+          <a:lstStyle/>
+          <a:p>
+            <a:endParaRPr lang="en-US" dirty="0"/>
+          </a:p>
+        </p:txBody>
+      </p:sp>
+      <p:sp>
+        <p:nvSpPr>
+          <p:cNvPr id="4" name="Slide Number Placeholder 3"/>
+          <p:cNvSpPr>
+            <a:spLocks noGrp="1"/>
+          </p:cNvSpPr>
+          <p:nvPr>
+            <p:ph type="sldNum" sz="quarter" idx="5"/>
+          </p:nvPr>
+        </p:nvSpPr>
+        <p:spPr/>
+        <p:txBody>
+          <a:bodyPr/>
+          <a:lstStyle/>
+          <a:p>
+            <a:fld id="{2ECFDA64-B45D-634E-BA35-A1ABDC481A66}" type="slidenum">
+              <a:rPr lang="en-US" smtClean="0"/>
+              <a:t>7</a:t>
+            </a:fld>
+            <a:endParaRPr lang="en-US"/>
+          </a:p>
+        </p:txBody>
+      </p:sp>
+    </p:spTree>
+    <p:extLst>
+      <p:ext uri="{BB962C8B-B14F-4D97-AF65-F5344CB8AC3E}">
+        <p14:creationId xmlns:p14="http://schemas.microsoft.com/office/powerpoint/2010/main" val="552635387"/>
+      </p:ext>
+    </p:extLst>
+  </p:cSld>
+  <p:clrMapOvr>
+    <a:masterClrMapping/>
+  </p:clrMapOvr>
+</p:notes>
+</file>
+
 <file path=ppt/slideLayouts/slideLayout1.xml><?xml version="1.0" encoding="utf-8"?>
 <p:sldLayout xmlns:a="http://schemas.openxmlformats.org/drawingml/2006/main" xmlns:r="http://schemas.openxmlformats.org/officeDocument/2006/relationships" xmlns:p="http://schemas.openxmlformats.org/presentationml/2006/main" type="title" preserve="1">
   <p:cSld name="Title Slide">
@@ -617,7 +701,7 @@
           <a:p>
             <a:fld id="{B35E71E4-6124-034D-B2B1-03D434D48E1D}" type="datetimeFigureOut">
               <a:rPr lang="en-US" smtClean="0"/>
-              <a:t>3/8/21</a:t>
+              <a:t>3/9/21</a:t>
             </a:fld>
             <a:endParaRPr lang="en-US"/>
           </a:p>
@@ -815,7 +899,7 @@
           <a:p>
             <a:fld id="{B35E71E4-6124-034D-B2B1-03D434D48E1D}" type="datetimeFigureOut">
               <a:rPr lang="en-US" smtClean="0"/>
-              <a:t>3/8/21</a:t>
+              <a:t>3/9/21</a:t>
             </a:fld>
             <a:endParaRPr lang="en-US"/>
           </a:p>
@@ -1023,7 +1107,7 @@
           <a:p>
             <a:fld id="{B35E71E4-6124-034D-B2B1-03D434D48E1D}" type="datetimeFigureOut">
               <a:rPr lang="en-US" smtClean="0"/>
-              <a:t>3/8/21</a:t>
+              <a:t>3/9/21</a:t>
             </a:fld>
             <a:endParaRPr lang="en-US"/>
           </a:p>
@@ -1221,7 +1305,7 @@
           <a:p>
             <a:fld id="{B35E71E4-6124-034D-B2B1-03D434D48E1D}" type="datetimeFigureOut">
               <a:rPr lang="en-US" smtClean="0"/>
-              <a:t>3/8/21</a:t>
+              <a:t>3/9/21</a:t>
             </a:fld>
             <a:endParaRPr lang="en-US"/>
           </a:p>
@@ -1496,7 +1580,7 @@
           <a:p>
             <a:fld id="{B35E71E4-6124-034D-B2B1-03D434D48E1D}" type="datetimeFigureOut">
               <a:rPr lang="en-US" smtClean="0"/>
-              <a:t>3/8/21</a:t>
+              <a:t>3/9/21</a:t>
             </a:fld>
             <a:endParaRPr lang="en-US"/>
           </a:p>
@@ -1761,7 +1845,7 @@
           <a:p>
             <a:fld id="{B35E71E4-6124-034D-B2B1-03D434D48E1D}" type="datetimeFigureOut">
               <a:rPr lang="en-US" smtClean="0"/>
-              <a:t>3/8/21</a:t>
+              <a:t>3/9/21</a:t>
             </a:fld>
             <a:endParaRPr lang="en-US"/>
           </a:p>
@@ -2173,7 +2257,7 @@
           <a:p>
             <a:fld id="{B35E71E4-6124-034D-B2B1-03D434D48E1D}" type="datetimeFigureOut">
               <a:rPr lang="en-US" smtClean="0"/>
-              <a:t>3/8/21</a:t>
+              <a:t>3/9/21</a:t>
             </a:fld>
             <a:endParaRPr lang="en-US"/>
           </a:p>
@@ -2314,7 +2398,7 @@
           <a:p>
             <a:fld id="{B35E71E4-6124-034D-B2B1-03D434D48E1D}" type="datetimeFigureOut">
               <a:rPr lang="en-US" smtClean="0"/>
-              <a:t>3/8/21</a:t>
+              <a:t>3/9/21</a:t>
             </a:fld>
             <a:endParaRPr lang="en-US"/>
           </a:p>
@@ -2427,7 +2511,7 @@
           <a:p>
             <a:fld id="{B35E71E4-6124-034D-B2B1-03D434D48E1D}" type="datetimeFigureOut">
               <a:rPr lang="en-US" smtClean="0"/>
-              <a:t>3/8/21</a:t>
+              <a:t>3/9/21</a:t>
             </a:fld>
             <a:endParaRPr lang="en-US"/>
           </a:p>
@@ -2738,7 +2822,7 @@
           <a:p>
             <a:fld id="{B35E71E4-6124-034D-B2B1-03D434D48E1D}" type="datetimeFigureOut">
               <a:rPr lang="en-US" smtClean="0"/>
-              <a:t>3/8/21</a:t>
+              <a:t>3/9/21</a:t>
             </a:fld>
             <a:endParaRPr lang="en-US"/>
           </a:p>
@@ -3026,7 +3110,7 @@
           <a:p>
             <a:fld id="{B35E71E4-6124-034D-B2B1-03D434D48E1D}" type="datetimeFigureOut">
               <a:rPr lang="en-US" smtClean="0"/>
-              <a:t>3/8/21</a:t>
+              <a:t>3/9/21</a:t>
             </a:fld>
             <a:endParaRPr lang="en-US"/>
           </a:p>
@@ -3267,7 +3351,7 @@
           <a:p>
             <a:fld id="{B35E71E4-6124-034D-B2B1-03D434D48E1D}" type="datetimeFigureOut">
               <a:rPr lang="en-US" smtClean="0"/>
-              <a:t>3/8/21</a:t>
+              <a:t>3/9/21</a:t>
             </a:fld>
             <a:endParaRPr lang="en-US"/>
           </a:p>
@@ -5474,10 +5558,10 @@
       </p:pic>
       <p:pic>
         <p:nvPicPr>
-          <p:cNvPr id="5" name="Content Placeholder 4">
-            <a:extLst>
-              <a:ext uri="{FF2B5EF4-FFF2-40B4-BE49-F238E27FC236}">
-                <a16:creationId xmlns:a16="http://schemas.microsoft.com/office/drawing/2014/main" id="{08794858-EB4B-0243-AD12-22FB435CB682}"/>
+          <p:cNvPr id="7" name="Content Placeholder 6" descr="Diagram&#10;&#10;Description automatically generated">
+            <a:extLst>
+              <a:ext uri="{FF2B5EF4-FFF2-40B4-BE49-F238E27FC236}">
+                <a16:creationId xmlns:a16="http://schemas.microsoft.com/office/drawing/2014/main" id="{BDAD0563-6505-6A4F-9998-9631196CA1D8}"/>
               </a:ext>
             </a:extLst>
           </p:cNvPr>
@@ -5490,17 +5574,15 @@
         </p:nvPicPr>
         <p:blipFill>
           <a:blip r:embed="rId3"/>
-          <a:srcRect/>
-          <a:stretch/>
+          <a:stretch>
+            <a:fillRect/>
+          </a:stretch>
         </p:blipFill>
         <p:spPr>
           <a:xfrm>
-            <a:off x="2375488" y="193636"/>
-            <a:ext cx="7554326" cy="3729350"/>
+            <a:off x="3093570" y="314664"/>
+            <a:ext cx="6004860" cy="3569818"/>
           </a:xfrm>
-          <a:prstGeom prst="rect">
-            <a:avLst/>
-          </a:prstGeom>
         </p:spPr>
       </p:pic>
     </p:spTree>
@@ -6401,35 +6483,6 @@
           </a:p>
         </p:txBody>
       </p:sp>
-      <p:pic>
-        <p:nvPicPr>
-          <p:cNvPr id="12" name="Content Placeholder 4">
-            <a:extLst>
-              <a:ext uri="{FF2B5EF4-FFF2-40B4-BE49-F238E27FC236}">
-                <a16:creationId xmlns:a16="http://schemas.microsoft.com/office/drawing/2014/main" id="{771A774C-B1A9-6149-BCF4-983B357155F3}"/>
-              </a:ext>
-            </a:extLst>
-          </p:cNvPr>
-          <p:cNvPicPr>
-            <a:picLocks noChangeAspect="1"/>
-          </p:cNvPicPr>
-          <p:nvPr/>
-        </p:nvPicPr>
-        <p:blipFill rotWithShape="1">
-          <a:blip r:embed="rId3"/>
-          <a:srcRect l="213" t="-70380" r="-7501" b="-25710"/>
-          <a:stretch/>
-        </p:blipFill>
-        <p:spPr>
-          <a:xfrm>
-            <a:off x="1763882" y="-1200150"/>
-            <a:ext cx="3765381" cy="3406662"/>
-          </a:xfrm>
-          <a:prstGeom prst="ellipse">
-            <a:avLst/>
-          </a:prstGeom>
-        </p:spPr>
-      </p:pic>
       <p:sp>
         <p:nvSpPr>
           <p:cNvPr id="86" name="Freeform 68">
@@ -6602,12 +6655,331 @@
           </a:p>
         </p:txBody>
       </p:sp>
+      <p:sp>
+        <p:nvSpPr>
+          <p:cNvPr id="44" name="Content Placeholder 43">
+            <a:extLst>
+              <a:ext uri="{FF2B5EF4-FFF2-40B4-BE49-F238E27FC236}">
+                <a16:creationId xmlns:a16="http://schemas.microsoft.com/office/drawing/2014/main" id="{613FC142-D6B7-4A71-AA1E-CECE9DFBDAF2}"/>
+              </a:ext>
+            </a:extLst>
+          </p:cNvPr>
+          <p:cNvSpPr>
+            <a:spLocks noGrp="1"/>
+          </p:cNvSpPr>
+          <p:nvPr>
+            <p:ph idx="1"/>
+          </p:nvPr>
+        </p:nvSpPr>
+        <p:spPr>
+          <a:xfrm>
+            <a:off x="6090574" y="2421682"/>
+            <a:ext cx="4977578" cy="3639289"/>
+          </a:xfrm>
+        </p:spPr>
+        <p:txBody>
+          <a:bodyPr anchor="ctr">
+            <a:normAutofit/>
+          </a:bodyPr>
+          <a:lstStyle/>
+          <a:p>
+            <a:pPr marL="0" indent="0">
+              <a:buNone/>
+            </a:pPr>
+            <a:r>
+              <a:rPr lang="en-US" sz="1600" dirty="0">
+                <a:solidFill>
+                  <a:srgbClr val="000000"/>
+                </a:solidFill>
+              </a:rPr>
+              <a:t>The tidy dataset does not meet 2NF criteria. The </a:t>
+            </a:r>
+            <a:r>
+              <a:rPr lang="en-US" sz="1600" dirty="0" err="1">
+                <a:solidFill>
+                  <a:srgbClr val="000000"/>
+                </a:solidFill>
+              </a:rPr>
+              <a:t>nonkey</a:t>
+            </a:r>
+            <a:r>
+              <a:rPr lang="en-US" sz="1600" dirty="0">
+                <a:solidFill>
+                  <a:srgbClr val="000000"/>
+                </a:solidFill>
+              </a:rPr>
+              <a:t> element </a:t>
+            </a:r>
+            <a:r>
+              <a:rPr lang="en-US" sz="1600" b="1" dirty="0">
+                <a:solidFill>
+                  <a:srgbClr val="000000"/>
+                </a:solidFill>
+              </a:rPr>
+              <a:t>feature</a:t>
+            </a:r>
+            <a:r>
+              <a:rPr lang="en-US" sz="1600" dirty="0">
+                <a:solidFill>
+                  <a:srgbClr val="000000"/>
+                </a:solidFill>
+              </a:rPr>
+              <a:t> is not functionally dependent on the table ID: </a:t>
+            </a:r>
+            <a:r>
+              <a:rPr lang="en-US" sz="1600" b="1" dirty="0">
+                <a:solidFill>
+                  <a:srgbClr val="000000"/>
+                </a:solidFill>
+              </a:rPr>
+              <a:t>season</a:t>
+            </a:r>
+            <a:r>
+              <a:rPr lang="en-US" sz="1600" dirty="0">
+                <a:solidFill>
+                  <a:srgbClr val="000000"/>
+                </a:solidFill>
+              </a:rPr>
+              <a:t> and </a:t>
+            </a:r>
+            <a:r>
+              <a:rPr lang="en-US" sz="1600" b="1" dirty="0">
+                <a:solidFill>
+                  <a:srgbClr val="000000"/>
+                </a:solidFill>
+              </a:rPr>
+              <a:t>episode</a:t>
+            </a:r>
+            <a:r>
+              <a:rPr lang="en-US" sz="1600" dirty="0">
+                <a:solidFill>
+                  <a:srgbClr val="000000"/>
+                </a:solidFill>
+              </a:rPr>
+              <a:t>. There are numerous features that could be associated with each key.</a:t>
+            </a:r>
+          </a:p>
+          <a:p>
+            <a:pPr marL="0" indent="0">
+              <a:buNone/>
+            </a:pPr>
+            <a:r>
+              <a:rPr lang="en-US" sz="1600" dirty="0">
+                <a:solidFill>
+                  <a:srgbClr val="000000"/>
+                </a:solidFill>
+              </a:rPr>
+              <a:t>To meet 2NF criteria, I moved the features to their own table. Because of the many-to-many relationship between episodes and features, I created the link table </a:t>
+            </a:r>
+            <a:r>
+              <a:rPr lang="en-US" sz="1600" i="1" dirty="0" err="1">
+                <a:solidFill>
+                  <a:srgbClr val="000000"/>
+                </a:solidFill>
+              </a:rPr>
+              <a:t>features_in_paintings</a:t>
+            </a:r>
+            <a:r>
+              <a:rPr lang="en-US" sz="1600" i="1" dirty="0">
+                <a:solidFill>
+                  <a:srgbClr val="000000"/>
+                </a:solidFill>
+              </a:rPr>
+              <a:t> </a:t>
+            </a:r>
+            <a:r>
+              <a:rPr lang="en-US" sz="1600" dirty="0">
+                <a:solidFill>
+                  <a:srgbClr val="000000"/>
+                </a:solidFill>
+              </a:rPr>
+              <a:t>to connect </a:t>
+            </a:r>
+            <a:r>
+              <a:rPr lang="en-US" sz="1600" i="1" dirty="0">
+                <a:solidFill>
+                  <a:srgbClr val="000000"/>
+                </a:solidFill>
+              </a:rPr>
+              <a:t>episodes</a:t>
+            </a:r>
+            <a:r>
+              <a:rPr lang="en-US" sz="1600" dirty="0">
+                <a:solidFill>
+                  <a:srgbClr val="000000"/>
+                </a:solidFill>
+              </a:rPr>
+              <a:t> to </a:t>
+            </a:r>
+            <a:r>
+              <a:rPr lang="en-US" sz="1600" i="1" dirty="0">
+                <a:solidFill>
+                  <a:srgbClr val="000000"/>
+                </a:solidFill>
+              </a:rPr>
+              <a:t>features</a:t>
+            </a:r>
+            <a:r>
+              <a:rPr lang="en-US" sz="1600" dirty="0">
+                <a:solidFill>
+                  <a:srgbClr val="000000"/>
+                </a:solidFill>
+              </a:rPr>
+              <a:t>. The data now meet 2NF criteria…</a:t>
+            </a:r>
+          </a:p>
+          <a:p>
+            <a:r>
+              <a:rPr lang="en-US" sz="1600" dirty="0">
+                <a:solidFill>
+                  <a:srgbClr val="000000"/>
+                </a:solidFill>
+              </a:rPr>
+              <a:t>The data still meet 1NF criteria</a:t>
+            </a:r>
+          </a:p>
+          <a:p>
+            <a:r>
+              <a:rPr lang="en-US" sz="1600" dirty="0">
+                <a:solidFill>
+                  <a:srgbClr val="000000"/>
+                </a:solidFill>
+              </a:rPr>
+              <a:t>The composite key, </a:t>
+            </a:r>
+            <a:r>
+              <a:rPr lang="en-US" sz="1600" b="1" dirty="0" err="1">
+                <a:solidFill>
+                  <a:srgbClr val="000000"/>
+                </a:solidFill>
+              </a:rPr>
+              <a:t>season_id</a:t>
+            </a:r>
+            <a:r>
+              <a:rPr lang="en-US" sz="1600" dirty="0">
+                <a:solidFill>
+                  <a:srgbClr val="000000"/>
+                </a:solidFill>
+              </a:rPr>
+              <a:t> and </a:t>
+            </a:r>
+            <a:r>
+              <a:rPr lang="en-US" sz="1600" b="1" dirty="0" err="1">
+                <a:solidFill>
+                  <a:srgbClr val="000000"/>
+                </a:solidFill>
+              </a:rPr>
+              <a:t>episode_id</a:t>
+            </a:r>
+            <a:r>
+              <a:rPr lang="en-US" sz="1600" dirty="0">
+                <a:solidFill>
+                  <a:srgbClr val="000000"/>
+                </a:solidFill>
+              </a:rPr>
+              <a:t>, determine the </a:t>
+            </a:r>
+            <a:r>
+              <a:rPr lang="en-US" sz="1600" b="1" dirty="0">
+                <a:solidFill>
+                  <a:srgbClr val="000000"/>
+                </a:solidFill>
+              </a:rPr>
+              <a:t>title</a:t>
+            </a:r>
+            <a:r>
+              <a:rPr lang="en-US" sz="1600" dirty="0">
+                <a:solidFill>
+                  <a:srgbClr val="000000"/>
+                </a:solidFill>
+              </a:rPr>
+              <a:t>, </a:t>
+            </a:r>
+            <a:r>
+              <a:rPr lang="en-US" sz="1600" b="1" dirty="0" err="1">
+                <a:solidFill>
+                  <a:srgbClr val="000000"/>
+                </a:solidFill>
+              </a:rPr>
+              <a:t>artist_name</a:t>
+            </a:r>
+            <a:r>
+              <a:rPr lang="en-US" sz="1600" dirty="0">
+                <a:solidFill>
+                  <a:srgbClr val="000000"/>
+                </a:solidFill>
+              </a:rPr>
+              <a:t>, and </a:t>
+            </a:r>
+            <a:r>
+              <a:rPr lang="en-US" sz="1600" b="1" dirty="0" err="1">
+                <a:solidFill>
+                  <a:srgbClr val="000000"/>
+                </a:solidFill>
+              </a:rPr>
+              <a:t>artist_relationship</a:t>
+            </a:r>
+            <a:r>
+              <a:rPr lang="en-US" sz="1600" b="1" dirty="0">
+                <a:solidFill>
+                  <a:srgbClr val="000000"/>
+                </a:solidFill>
+              </a:rPr>
+              <a:t> </a:t>
+            </a:r>
+            <a:r>
+              <a:rPr lang="en-US" sz="1600" dirty="0">
+                <a:solidFill>
+                  <a:srgbClr val="000000"/>
+                </a:solidFill>
+              </a:rPr>
+              <a:t>(there is only one value for each key).</a:t>
+            </a:r>
+          </a:p>
+          <a:p>
+            <a:endParaRPr lang="en-US" sz="1600" dirty="0">
+              <a:solidFill>
+                <a:srgbClr val="000000"/>
+              </a:solidFill>
+            </a:endParaRPr>
+          </a:p>
+        </p:txBody>
+      </p:sp>
       <p:pic>
         <p:nvPicPr>
-          <p:cNvPr id="4" name="Picture 3" descr="Application&#10;&#10;Description automatically generated with low confidence">
-            <a:extLst>
-              <a:ext uri="{FF2B5EF4-FFF2-40B4-BE49-F238E27FC236}">
-                <a16:creationId xmlns:a16="http://schemas.microsoft.com/office/drawing/2014/main" id="{77D598B0-7F75-0D4D-AA0D-9FECFFF8F30F}"/>
+          <p:cNvPr id="10" name="Content Placeholder 6" descr="Diagram&#10;&#10;Description automatically generated">
+            <a:extLst>
+              <a:ext uri="{FF2B5EF4-FFF2-40B4-BE49-F238E27FC236}">
+                <a16:creationId xmlns:a16="http://schemas.microsoft.com/office/drawing/2014/main" id="{3C74B32E-E55D-F248-AFBA-E3F53EFA073B}"/>
+              </a:ext>
+            </a:extLst>
+          </p:cNvPr>
+          <p:cNvPicPr>
+            <a:picLocks noChangeAspect="1"/>
+          </p:cNvPicPr>
+          <p:nvPr/>
+        </p:nvPicPr>
+        <p:blipFill rotWithShape="1">
+          <a:blip r:embed="rId3"/>
+          <a:srcRect l="10571" t="-8257" r="-6300" b="-52452"/>
+          <a:stretch/>
+        </p:blipFill>
+        <p:spPr>
+          <a:xfrm>
+            <a:off x="-485775" y="2912701"/>
+            <a:ext cx="5452500" cy="5441759"/>
+          </a:xfrm>
+          <a:prstGeom prst="ellipse">
+            <a:avLst/>
+          </a:prstGeom>
+        </p:spPr>
+      </p:pic>
+      <p:pic>
+        <p:nvPicPr>
+          <p:cNvPr id="7" name="Picture 6" descr="Table&#10;&#10;Description automatically generated">
+            <a:extLst>
+              <a:ext uri="{FF2B5EF4-FFF2-40B4-BE49-F238E27FC236}">
+                <a16:creationId xmlns:a16="http://schemas.microsoft.com/office/drawing/2014/main" id="{7BA2ED89-F87C-6842-84CF-BEEF812C7558}"/>
               </a:ext>
             </a:extLst>
           </p:cNvPr>
@@ -6618,309 +6990,19 @@
         </p:nvPicPr>
         <p:blipFill rotWithShape="1">
           <a:blip r:embed="rId4"/>
-          <a:srcRect b="49800"/>
+          <a:srcRect l="-47322" t="-62880" r="-47322" b="18983"/>
           <a:stretch/>
         </p:blipFill>
         <p:spPr>
           <a:xfrm>
-            <a:off x="985838" y="3329055"/>
-            <a:ext cx="2584349" cy="3459581"/>
+            <a:off x="1763882" y="-1667435"/>
+            <a:ext cx="3880988" cy="3856018"/>
           </a:xfrm>
-          <a:prstGeom prst="rect">
+          <a:prstGeom prst="ellipse">
             <a:avLst/>
           </a:prstGeom>
         </p:spPr>
       </p:pic>
-      <p:sp>
-        <p:nvSpPr>
-          <p:cNvPr id="44" name="Content Placeholder 43">
-            <a:extLst>
-              <a:ext uri="{FF2B5EF4-FFF2-40B4-BE49-F238E27FC236}">
-                <a16:creationId xmlns:a16="http://schemas.microsoft.com/office/drawing/2014/main" id="{613FC142-D6B7-4A71-AA1E-CECE9DFBDAF2}"/>
-              </a:ext>
-            </a:extLst>
-          </p:cNvPr>
-          <p:cNvSpPr>
-            <a:spLocks noGrp="1"/>
-          </p:cNvSpPr>
-          <p:nvPr>
-            <p:ph idx="1"/>
-          </p:nvPr>
-        </p:nvSpPr>
-        <p:spPr>
-          <a:xfrm>
-            <a:off x="6090574" y="2421682"/>
-            <a:ext cx="4977578" cy="3639289"/>
-          </a:xfrm>
-        </p:spPr>
-        <p:txBody>
-          <a:bodyPr anchor="ctr">
-            <a:normAutofit/>
-          </a:bodyPr>
-          <a:lstStyle/>
-          <a:p>
-            <a:pPr marL="0" indent="0">
-              <a:buNone/>
-            </a:pPr>
-            <a:r>
-              <a:rPr lang="en-US" sz="1600" dirty="0">
-                <a:solidFill>
-                  <a:srgbClr val="000000"/>
-                </a:solidFill>
-              </a:rPr>
-              <a:t>The tidy dataset does not meet 2NF criteria. The </a:t>
-            </a:r>
-            <a:r>
-              <a:rPr lang="en-US" sz="1600" dirty="0" err="1">
-                <a:solidFill>
-                  <a:srgbClr val="000000"/>
-                </a:solidFill>
-              </a:rPr>
-              <a:t>nonkey</a:t>
-            </a:r>
-            <a:r>
-              <a:rPr lang="en-US" sz="1600" dirty="0">
-                <a:solidFill>
-                  <a:srgbClr val="000000"/>
-                </a:solidFill>
-              </a:rPr>
-              <a:t> element </a:t>
-            </a:r>
-            <a:r>
-              <a:rPr lang="en-US" sz="1600" b="1" dirty="0">
-                <a:solidFill>
-                  <a:srgbClr val="000000"/>
-                </a:solidFill>
-              </a:rPr>
-              <a:t>feature</a:t>
-            </a:r>
-            <a:r>
-              <a:rPr lang="en-US" sz="1600" dirty="0">
-                <a:solidFill>
-                  <a:srgbClr val="000000"/>
-                </a:solidFill>
-              </a:rPr>
-              <a:t> is not functionally dependent on the table ID: </a:t>
-            </a:r>
-            <a:r>
-              <a:rPr lang="en-US" sz="1600" b="1" dirty="0">
-                <a:solidFill>
-                  <a:srgbClr val="000000"/>
-                </a:solidFill>
-              </a:rPr>
-              <a:t>season</a:t>
-            </a:r>
-            <a:r>
-              <a:rPr lang="en-US" sz="1600" dirty="0">
-                <a:solidFill>
-                  <a:srgbClr val="000000"/>
-                </a:solidFill>
-              </a:rPr>
-              <a:t> and </a:t>
-            </a:r>
-            <a:r>
-              <a:rPr lang="en-US" sz="1600" b="1" dirty="0">
-                <a:solidFill>
-                  <a:srgbClr val="000000"/>
-                </a:solidFill>
-              </a:rPr>
-              <a:t>episode</a:t>
-            </a:r>
-            <a:r>
-              <a:rPr lang="en-US" sz="1600" dirty="0">
-                <a:solidFill>
-                  <a:srgbClr val="000000"/>
-                </a:solidFill>
-              </a:rPr>
-              <a:t>. There are numerous features that could be associated with each key.</a:t>
-            </a:r>
-          </a:p>
-          <a:p>
-            <a:pPr marL="0" indent="0">
-              <a:buNone/>
-            </a:pPr>
-            <a:r>
-              <a:rPr lang="en-US" sz="1600" dirty="0">
-                <a:solidFill>
-                  <a:srgbClr val="000000"/>
-                </a:solidFill>
-              </a:rPr>
-              <a:t>To meet 2NF criteria, I moved the features column to their own table. Because of the many-to-many relationship between episodes and features, I created the link table </a:t>
-            </a:r>
-            <a:r>
-              <a:rPr lang="en-US" sz="1600" i="1" dirty="0" err="1">
-                <a:solidFill>
-                  <a:srgbClr val="000000"/>
-                </a:solidFill>
-              </a:rPr>
-              <a:t>features_in_paintings</a:t>
-            </a:r>
-            <a:r>
-              <a:rPr lang="en-US" sz="1600" i="1" dirty="0">
-                <a:solidFill>
-                  <a:srgbClr val="000000"/>
-                </a:solidFill>
-              </a:rPr>
-              <a:t> </a:t>
-            </a:r>
-            <a:r>
-              <a:rPr lang="en-US" sz="1600" dirty="0">
-                <a:solidFill>
-                  <a:srgbClr val="000000"/>
-                </a:solidFill>
-              </a:rPr>
-              <a:t>to connect </a:t>
-            </a:r>
-            <a:r>
-              <a:rPr lang="en-US" sz="1600" i="1" dirty="0">
-                <a:solidFill>
-                  <a:srgbClr val="000000"/>
-                </a:solidFill>
-              </a:rPr>
-              <a:t>episodes</a:t>
-            </a:r>
-            <a:r>
-              <a:rPr lang="en-US" sz="1600" dirty="0">
-                <a:solidFill>
-                  <a:srgbClr val="000000"/>
-                </a:solidFill>
-              </a:rPr>
-              <a:t> to </a:t>
-            </a:r>
-            <a:r>
-              <a:rPr lang="en-US" sz="1600" i="1" dirty="0">
-                <a:solidFill>
-                  <a:srgbClr val="000000"/>
-                </a:solidFill>
-              </a:rPr>
-              <a:t>features</a:t>
-            </a:r>
-            <a:r>
-              <a:rPr lang="en-US" sz="1600" dirty="0">
-                <a:solidFill>
-                  <a:srgbClr val="000000"/>
-                </a:solidFill>
-              </a:rPr>
-              <a:t>. The data now meet 2NF criteria…</a:t>
-            </a:r>
-          </a:p>
-          <a:p>
-            <a:r>
-              <a:rPr lang="en-US" sz="1600" dirty="0">
-                <a:solidFill>
-                  <a:srgbClr val="000000"/>
-                </a:solidFill>
-              </a:rPr>
-              <a:t>The data still meet 1NF criteria</a:t>
-            </a:r>
-          </a:p>
-          <a:p>
-            <a:r>
-              <a:rPr lang="en-US" sz="1600" dirty="0">
-                <a:solidFill>
-                  <a:srgbClr val="000000"/>
-                </a:solidFill>
-              </a:rPr>
-              <a:t>The composite key, </a:t>
-            </a:r>
-            <a:r>
-              <a:rPr lang="en-US" sz="1600" b="1" dirty="0" err="1">
-                <a:solidFill>
-                  <a:srgbClr val="000000"/>
-                </a:solidFill>
-              </a:rPr>
-              <a:t>season_id</a:t>
-            </a:r>
-            <a:r>
-              <a:rPr lang="en-US" sz="1600" dirty="0">
-                <a:solidFill>
-                  <a:srgbClr val="000000"/>
-                </a:solidFill>
-              </a:rPr>
-              <a:t> and </a:t>
-            </a:r>
-            <a:r>
-              <a:rPr lang="en-US" sz="1600" b="1" dirty="0" err="1">
-                <a:solidFill>
-                  <a:srgbClr val="000000"/>
-                </a:solidFill>
-              </a:rPr>
-              <a:t>episode_id</a:t>
-            </a:r>
-            <a:r>
-              <a:rPr lang="en-US" sz="1600" dirty="0">
-                <a:solidFill>
-                  <a:srgbClr val="000000"/>
-                </a:solidFill>
-              </a:rPr>
-              <a:t>, determine the </a:t>
-            </a:r>
-            <a:r>
-              <a:rPr lang="en-US" sz="1600" b="1" dirty="0">
-                <a:solidFill>
-                  <a:srgbClr val="000000"/>
-                </a:solidFill>
-              </a:rPr>
-              <a:t>title</a:t>
-            </a:r>
-            <a:r>
-              <a:rPr lang="en-US" sz="1600" dirty="0">
-                <a:solidFill>
-                  <a:srgbClr val="000000"/>
-                </a:solidFill>
-              </a:rPr>
-              <a:t>, </a:t>
-            </a:r>
-            <a:r>
-              <a:rPr lang="en-US" sz="1600" b="1" dirty="0" err="1">
-                <a:solidFill>
-                  <a:srgbClr val="000000"/>
-                </a:solidFill>
-              </a:rPr>
-              <a:t>artist_name</a:t>
-            </a:r>
-            <a:r>
-              <a:rPr lang="en-US" sz="1600" dirty="0">
-                <a:solidFill>
-                  <a:srgbClr val="000000"/>
-                </a:solidFill>
-              </a:rPr>
-              <a:t>, and </a:t>
-            </a:r>
-            <a:r>
-              <a:rPr lang="en-US" sz="1600" b="1" dirty="0" err="1">
-                <a:solidFill>
-                  <a:srgbClr val="000000"/>
-                </a:solidFill>
-              </a:rPr>
-              <a:t>artist_relationship</a:t>
-            </a:r>
-            <a:r>
-              <a:rPr lang="en-US" sz="1600" b="1" dirty="0">
-                <a:solidFill>
-                  <a:srgbClr val="000000"/>
-                </a:solidFill>
-              </a:rPr>
-              <a:t> </a:t>
-            </a:r>
-            <a:r>
-              <a:rPr lang="en-US" sz="1600" dirty="0">
-                <a:solidFill>
-                  <a:srgbClr val="000000"/>
-                </a:solidFill>
-              </a:rPr>
-              <a:t>(there is only one value for each key).</a:t>
-            </a:r>
-          </a:p>
-          <a:p>
-            <a:endParaRPr lang="en-US" sz="1600" dirty="0">
-              <a:solidFill>
-                <a:srgbClr val="000000"/>
-              </a:solidFill>
-            </a:endParaRPr>
-          </a:p>
-        </p:txBody>
-      </p:sp>
     </p:spTree>
     <p:extLst>
       <p:ext uri="{BB962C8B-B14F-4D97-AF65-F5344CB8AC3E}">
@@ -6961,10 +7043,10 @@
       </p:grpSpPr>
       <p:sp>
         <p:nvSpPr>
-          <p:cNvPr id="122" name="Rectangle 121">
-            <a:extLst>
-              <a:ext uri="{FF2B5EF4-FFF2-40B4-BE49-F238E27FC236}">
-                <a16:creationId xmlns:a16="http://schemas.microsoft.com/office/drawing/2014/main" id="{B05E4F47-B148-49E0-B472-BBF149315524}"/>
+          <p:cNvPr id="131" name="Rectangle 130">
+            <a:extLst>
+              <a:ext uri="{FF2B5EF4-FFF2-40B4-BE49-F238E27FC236}">
+                <a16:creationId xmlns:a16="http://schemas.microsoft.com/office/drawing/2014/main" id="{0F6CDC51-8D27-4BF4-AB33-7D5905E80D90}"/>
               </a:ext>
               <a:ext uri="{C183D7F6-B498-43B3-948B-1728B52AA6E4}">
                 <adec:decorative xmlns:adec="http://schemas.microsoft.com/office/drawing/2017/decorative" val="1"/>
@@ -6984,8 +7066,8 @@
         </p:nvSpPr>
         <p:spPr>
           <a:xfrm>
-            <a:off x="5769972" y="0"/>
-            <a:ext cx="6421721" cy="6858000"/>
+            <a:off x="5708905" y="3726"/>
+            <a:ext cx="6483095" cy="6858000"/>
           </a:xfrm>
           <a:prstGeom prst="rect">
             <a:avLst/>
@@ -7047,10 +7129,10 @@
       </p:sp>
       <p:pic>
         <p:nvPicPr>
-          <p:cNvPr id="124" name="Picture 123">
-            <a:extLst>
-              <a:ext uri="{FF2B5EF4-FFF2-40B4-BE49-F238E27FC236}">
-                <a16:creationId xmlns:a16="http://schemas.microsoft.com/office/drawing/2014/main" id="{7A2CE8EB-F719-4F84-9E91-F538438CAC76}"/>
+          <p:cNvPr id="133" name="Picture 132">
+            <a:extLst>
+              <a:ext uri="{FF2B5EF4-FFF2-40B4-BE49-F238E27FC236}">
+                <a16:creationId xmlns:a16="http://schemas.microsoft.com/office/drawing/2014/main" id="{24FB90F3-DFB9-42D4-B851-120249962A25}"/>
               </a:ext>
               <a:ext uri="{C183D7F6-B498-43B3-948B-1728B52AA6E4}">
                 <adec:decorative xmlns:adec="http://schemas.microsoft.com/office/drawing/2017/decorative" val="1"/>
@@ -7069,7 +7151,7 @@
           </p:nvPr>
         </p:nvPicPr>
         <p:blipFill>
-          <a:blip r:embed="rId2">
+          <a:blip r:embed="rId3">
             <a:extLst>
               <a:ext uri="{28A0092B-C50C-407E-A947-70E740481C1C}">
                 <a14:useLocalDpi xmlns:a14="http://schemas.microsoft.com/office/drawing/2010/main" val="0"/>
@@ -7108,8 +7190,8 @@
         </p:nvSpPr>
         <p:spPr>
           <a:xfrm>
-            <a:off x="801340" y="802955"/>
-            <a:ext cx="4766330" cy="1454051"/>
+            <a:off x="804672" y="802955"/>
+            <a:ext cx="5145024" cy="1454051"/>
           </a:xfrm>
         </p:spPr>
         <p:txBody>
@@ -7119,7 +7201,7 @@
           <a:lstStyle/>
           <a:p>
             <a:r>
-              <a:rPr lang="en-US" sz="3600">
+              <a:rPr lang="en-US" sz="4000">
                 <a:solidFill>
                   <a:srgbClr val="000000"/>
                 </a:solidFill>
@@ -7127,7 +7209,7 @@
               <a:t>Third</a:t>
             </a:r>
             <a:r>
-              <a:rPr lang="en-US" sz="3600" kern="1200">
+              <a:rPr lang="en-US" sz="4000" kern="1200">
                 <a:solidFill>
                   <a:srgbClr val="000000"/>
                 </a:solidFill>
@@ -7142,298 +7224,10 @@
       </p:sp>
       <p:sp>
         <p:nvSpPr>
-          <p:cNvPr id="44" name="Content Placeholder 43">
-            <a:extLst>
-              <a:ext uri="{FF2B5EF4-FFF2-40B4-BE49-F238E27FC236}">
-                <a16:creationId xmlns:a16="http://schemas.microsoft.com/office/drawing/2014/main" id="{613FC142-D6B7-4A71-AA1E-CECE9DFBDAF2}"/>
-              </a:ext>
-            </a:extLst>
-          </p:cNvPr>
-          <p:cNvSpPr>
-            <a:spLocks noGrp="1"/>
-          </p:cNvSpPr>
-          <p:nvPr>
-            <p:ph idx="1"/>
-          </p:nvPr>
-        </p:nvSpPr>
-        <p:spPr>
-          <a:xfrm>
-            <a:off x="804672" y="2421683"/>
-            <a:ext cx="4765949" cy="3353476"/>
-          </a:xfrm>
-        </p:spPr>
-        <p:txBody>
-          <a:bodyPr anchor="t">
-            <a:normAutofit/>
-          </a:bodyPr>
-          <a:lstStyle/>
-          <a:p>
-            <a:pPr marL="0" indent="0">
-              <a:buNone/>
-            </a:pPr>
-            <a:r>
-              <a:rPr lang="en-US" sz="1400" dirty="0">
-                <a:solidFill>
-                  <a:srgbClr val="000000"/>
-                </a:solidFill>
-              </a:rPr>
-              <a:t>The episodes data, even without the features, does not yet meet 3NF criteria. The </a:t>
-            </a:r>
-            <a:r>
-              <a:rPr lang="en-US" sz="1400" b="1" dirty="0" err="1">
-                <a:solidFill>
-                  <a:srgbClr val="000000"/>
-                </a:solidFill>
-              </a:rPr>
-              <a:t>artist_relationship</a:t>
-            </a:r>
-            <a:r>
-              <a:rPr lang="en-US" sz="1400" b="1" dirty="0">
-                <a:solidFill>
-                  <a:srgbClr val="000000"/>
-                </a:solidFill>
-              </a:rPr>
-              <a:t> </a:t>
-            </a:r>
-            <a:r>
-              <a:rPr lang="en-US" sz="1400" dirty="0">
-                <a:solidFill>
-                  <a:srgbClr val="000000"/>
-                </a:solidFill>
-              </a:rPr>
-              <a:t>depends on the </a:t>
-            </a:r>
-            <a:r>
-              <a:rPr lang="en-US" sz="1400" b="1" dirty="0" err="1">
-                <a:solidFill>
-                  <a:srgbClr val="000000"/>
-                </a:solidFill>
-              </a:rPr>
-              <a:t>artist_name</a:t>
-            </a:r>
-            <a:r>
-              <a:rPr lang="en-US" sz="1400" b="1" dirty="0">
-                <a:solidFill>
-                  <a:srgbClr val="000000"/>
-                </a:solidFill>
-              </a:rPr>
-              <a:t> </a:t>
-            </a:r>
-            <a:r>
-              <a:rPr lang="en-US" sz="1400" dirty="0">
-                <a:solidFill>
-                  <a:srgbClr val="000000"/>
-                </a:solidFill>
-              </a:rPr>
-              <a:t>but is not a candidate key.</a:t>
-            </a:r>
-          </a:p>
-          <a:p>
-            <a:pPr marL="0" indent="0">
-              <a:buNone/>
-            </a:pPr>
-            <a:r>
-              <a:rPr lang="en-US" sz="1400" dirty="0">
-                <a:solidFill>
-                  <a:srgbClr val="000000"/>
-                </a:solidFill>
-              </a:rPr>
-              <a:t>To meet 3NF criteria, I moved </a:t>
-            </a:r>
-            <a:r>
-              <a:rPr lang="en-US" sz="1400" b="1" dirty="0" err="1">
-                <a:solidFill>
-                  <a:srgbClr val="000000"/>
-                </a:solidFill>
-              </a:rPr>
-              <a:t>artist_name</a:t>
-            </a:r>
-            <a:r>
-              <a:rPr lang="en-US" sz="1400" b="1" dirty="0">
-                <a:solidFill>
-                  <a:srgbClr val="000000"/>
-                </a:solidFill>
-              </a:rPr>
-              <a:t> </a:t>
-            </a:r>
-            <a:r>
-              <a:rPr lang="en-US" sz="1400" dirty="0">
-                <a:solidFill>
-                  <a:srgbClr val="000000"/>
-                </a:solidFill>
-              </a:rPr>
-              <a:t>(as </a:t>
-            </a:r>
-            <a:r>
-              <a:rPr lang="en-US" sz="1400" b="1" dirty="0" err="1">
-                <a:solidFill>
-                  <a:srgbClr val="000000"/>
-                </a:solidFill>
-              </a:rPr>
-              <a:t>first_name</a:t>
-            </a:r>
-            <a:r>
-              <a:rPr lang="en-US" sz="1400" b="1" dirty="0">
-                <a:solidFill>
-                  <a:srgbClr val="000000"/>
-                </a:solidFill>
-              </a:rPr>
-              <a:t> </a:t>
-            </a:r>
-            <a:r>
-              <a:rPr lang="en-US" sz="1400" dirty="0">
-                <a:solidFill>
-                  <a:srgbClr val="000000"/>
-                </a:solidFill>
-              </a:rPr>
-              <a:t>and</a:t>
-            </a:r>
-            <a:r>
-              <a:rPr lang="en-US" sz="1400" b="1" dirty="0">
-                <a:solidFill>
-                  <a:srgbClr val="000000"/>
-                </a:solidFill>
-              </a:rPr>
-              <a:t> </a:t>
-            </a:r>
-            <a:r>
-              <a:rPr lang="en-US" sz="1400" b="1" dirty="0" err="1">
-                <a:solidFill>
-                  <a:srgbClr val="000000"/>
-                </a:solidFill>
-              </a:rPr>
-              <a:t>last_name</a:t>
-            </a:r>
-            <a:r>
-              <a:rPr lang="en-US" sz="1400" dirty="0">
-                <a:solidFill>
-                  <a:srgbClr val="000000"/>
-                </a:solidFill>
-              </a:rPr>
-              <a:t>) and </a:t>
-            </a:r>
-            <a:r>
-              <a:rPr lang="en-US" sz="1400" b="1" dirty="0" err="1">
-                <a:solidFill>
-                  <a:srgbClr val="000000"/>
-                </a:solidFill>
-              </a:rPr>
-              <a:t>artist_relationship</a:t>
-            </a:r>
-            <a:r>
-              <a:rPr lang="en-US" sz="1400" dirty="0">
-                <a:solidFill>
-                  <a:srgbClr val="000000"/>
-                </a:solidFill>
-              </a:rPr>
-              <a:t> (as </a:t>
-            </a:r>
-            <a:r>
-              <a:rPr lang="en-US" sz="1400" b="1" dirty="0">
-                <a:solidFill>
-                  <a:srgbClr val="000000"/>
-                </a:solidFill>
-              </a:rPr>
-              <a:t>relationship</a:t>
-            </a:r>
-            <a:r>
-              <a:rPr lang="en-US" sz="1400" dirty="0">
-                <a:solidFill>
-                  <a:srgbClr val="000000"/>
-                </a:solidFill>
-              </a:rPr>
-              <a:t>) to their own table, </a:t>
-            </a:r>
-            <a:r>
-              <a:rPr lang="en-US" sz="1400" i="1" dirty="0">
-                <a:solidFill>
-                  <a:srgbClr val="000000"/>
-                </a:solidFill>
-              </a:rPr>
-              <a:t>artists</a:t>
-            </a:r>
-            <a:r>
-              <a:rPr lang="en-US" sz="1400" dirty="0">
-                <a:solidFill>
-                  <a:srgbClr val="000000"/>
-                </a:solidFill>
-              </a:rPr>
-              <a:t>. Because there is a one-to-many relationship between artists and episodes, I made a connection directly from the new </a:t>
-            </a:r>
-            <a:r>
-              <a:rPr lang="en-US" sz="1400" i="1" dirty="0">
-                <a:solidFill>
-                  <a:srgbClr val="000000"/>
-                </a:solidFill>
-              </a:rPr>
-              <a:t>artists</a:t>
-            </a:r>
-            <a:r>
-              <a:rPr lang="en-US" sz="1400" dirty="0">
-                <a:solidFill>
-                  <a:srgbClr val="000000"/>
-                </a:solidFill>
-              </a:rPr>
-              <a:t> table to the </a:t>
-            </a:r>
-            <a:r>
-              <a:rPr lang="en-US" sz="1400" i="1" dirty="0">
-                <a:solidFill>
-                  <a:srgbClr val="000000"/>
-                </a:solidFill>
-              </a:rPr>
-              <a:t>episodes</a:t>
-            </a:r>
-            <a:r>
-              <a:rPr lang="en-US" sz="1400" dirty="0">
-                <a:solidFill>
-                  <a:srgbClr val="000000"/>
-                </a:solidFill>
-              </a:rPr>
-              <a:t> table.</a:t>
-            </a:r>
-          </a:p>
-          <a:p>
-            <a:pPr marL="0" indent="0">
-              <a:buNone/>
-            </a:pPr>
-            <a:r>
-              <a:rPr lang="en-US" sz="1400" dirty="0">
-                <a:solidFill>
-                  <a:srgbClr val="000000"/>
-                </a:solidFill>
-              </a:rPr>
-              <a:t>The data now meet 3NF criteria because…</a:t>
-            </a:r>
-          </a:p>
-          <a:p>
-            <a:r>
-              <a:rPr lang="en-US" sz="1400" dirty="0">
-                <a:solidFill>
-                  <a:srgbClr val="000000"/>
-                </a:solidFill>
-              </a:rPr>
-              <a:t>The data still meets 2NF criteria</a:t>
-            </a:r>
-          </a:p>
-          <a:p>
-            <a:r>
-              <a:rPr lang="en-US" sz="1400" dirty="0">
-                <a:solidFill>
-                  <a:srgbClr val="000000"/>
-                </a:solidFill>
-              </a:rPr>
-              <a:t>There are no transitive dependencies - there are no columns in any table that depend on anything other than their primary key(s)</a:t>
-            </a:r>
-          </a:p>
-        </p:txBody>
-      </p:sp>
-      <p:sp>
-        <p:nvSpPr>
-          <p:cNvPr id="126" name="Freeform 50">
-            <a:extLst>
-              <a:ext uri="{FF2B5EF4-FFF2-40B4-BE49-F238E27FC236}">
-                <a16:creationId xmlns:a16="http://schemas.microsoft.com/office/drawing/2014/main" id="{684BF3E1-C321-4F38-85CF-FEBBEEC15E2D}"/>
+          <p:cNvPr id="135" name="Freeform 60">
+            <a:extLst>
+              <a:ext uri="{FF2B5EF4-FFF2-40B4-BE49-F238E27FC236}">
+                <a16:creationId xmlns:a16="http://schemas.microsoft.com/office/drawing/2014/main" id="{DF4CE22F-8463-44F2-BE50-65D9B5035E87}"/>
               </a:ext>
               <a:ext uri="{C183D7F6-B498-43B3-948B-1728B52AA6E4}">
                 <adec:decorative xmlns:adec="http://schemas.microsoft.com/office/drawing/2017/decorative" val="1"/>
@@ -7453,34 +7247,26 @@
         </p:nvSpPr>
         <p:spPr>
           <a:xfrm>
-            <a:off x="6727121" y="581159"/>
-            <a:ext cx="5464879" cy="6276841"/>
+            <a:off x="6588720" y="0"/>
+            <a:ext cx="3762182" cy="2258435"/>
           </a:xfrm>
           <a:custGeom>
             <a:avLst/>
             <a:gdLst>
-              <a:gd name="connsiteX0" fmla="*/ 3299930 w 5464879"/>
-              <a:gd name="connsiteY0" fmla="*/ 0 h 6276841"/>
-              <a:gd name="connsiteX1" fmla="*/ 5398992 w 5464879"/>
-              <a:gd name="connsiteY1" fmla="*/ 753544 h 6276841"/>
-              <a:gd name="connsiteX2" fmla="*/ 5464879 w 5464879"/>
-              <a:gd name="connsiteY2" fmla="*/ 813426 h 6276841"/>
-              <a:gd name="connsiteX3" fmla="*/ 5464879 w 5464879"/>
-              <a:gd name="connsiteY3" fmla="*/ 5786434 h 6276841"/>
-              <a:gd name="connsiteX4" fmla="*/ 5398992 w 5464879"/>
-              <a:gd name="connsiteY4" fmla="*/ 5846317 h 6276841"/>
-              <a:gd name="connsiteX5" fmla="*/ 4872873 w 5464879"/>
-              <a:gd name="connsiteY5" fmla="*/ 6201577 h 6276841"/>
-              <a:gd name="connsiteX6" fmla="*/ 4716632 w 5464879"/>
-              <a:gd name="connsiteY6" fmla="*/ 6276841 h 6276841"/>
-              <a:gd name="connsiteX7" fmla="*/ 1883227 w 5464879"/>
-              <a:gd name="connsiteY7" fmla="*/ 6276841 h 6276841"/>
-              <a:gd name="connsiteX8" fmla="*/ 1726987 w 5464879"/>
-              <a:gd name="connsiteY8" fmla="*/ 6201577 h 6276841"/>
-              <a:gd name="connsiteX9" fmla="*/ 0 w 5464879"/>
-              <a:gd name="connsiteY9" fmla="*/ 3299930 h 6276841"/>
-              <a:gd name="connsiteX10" fmla="*/ 3299930 w 5464879"/>
-              <a:gd name="connsiteY10" fmla="*/ 0 h 6276841"/>
+              <a:gd name="connsiteX0" fmla="*/ 39946 w 3960192"/>
+              <a:gd name="connsiteY0" fmla="*/ 0 h 2377300"/>
+              <a:gd name="connsiteX1" fmla="*/ 3920247 w 3960192"/>
+              <a:gd name="connsiteY1" fmla="*/ 0 h 2377300"/>
+              <a:gd name="connsiteX2" fmla="*/ 3949969 w 3960192"/>
+              <a:gd name="connsiteY2" fmla="*/ 194751 h 2377300"/>
+              <a:gd name="connsiteX3" fmla="*/ 3960192 w 3960192"/>
+              <a:gd name="connsiteY3" fmla="*/ 397204 h 2377300"/>
+              <a:gd name="connsiteX4" fmla="*/ 1980096 w 3960192"/>
+              <a:gd name="connsiteY4" fmla="*/ 2377300 h 2377300"/>
+              <a:gd name="connsiteX5" fmla="*/ 0 w 3960192"/>
+              <a:gd name="connsiteY5" fmla="*/ 397204 h 2377300"/>
+              <a:gd name="connsiteX6" fmla="*/ 10224 w 3960192"/>
+              <a:gd name="connsiteY6" fmla="*/ 194751 h 2377300"/>
             </a:gdLst>
             <a:ahLst/>
             <a:cxnLst>
@@ -7505,62 +7291,38 @@
               <a:cxn ang="0">
                 <a:pos x="connsiteX6" y="connsiteY6"/>
               </a:cxn>
-              <a:cxn ang="0">
-                <a:pos x="connsiteX7" y="connsiteY7"/>
-              </a:cxn>
-              <a:cxn ang="0">
-                <a:pos x="connsiteX8" y="connsiteY8"/>
-              </a:cxn>
-              <a:cxn ang="0">
-                <a:pos x="connsiteX9" y="connsiteY9"/>
-              </a:cxn>
-              <a:cxn ang="0">
-                <a:pos x="connsiteX10" y="connsiteY10"/>
-              </a:cxn>
             </a:cxnLst>
             <a:rect l="l" t="t" r="r" b="b"/>
             <a:pathLst>
-              <a:path w="5464879" h="6276841">
+              <a:path w="3960192" h="2377300">
                 <a:moveTo>
-                  <a:pt x="3299930" y="0"/>
+                  <a:pt x="39946" y="0"/>
                 </a:moveTo>
-                <a:cubicBezTo>
-                  <a:pt x="4097274" y="0"/>
-                  <a:pt x="4828569" y="282789"/>
-                  <a:pt x="5398992" y="753544"/>
-                </a:cubicBezTo>
                 <a:lnTo>
-                  <a:pt x="5464879" y="813426"/>
+                  <a:pt x="3920247" y="0"/>
                 </a:lnTo>
                 <a:lnTo>
-                  <a:pt x="5464879" y="5786434"/>
-                </a:lnTo>
-                <a:lnTo>
-                  <a:pt x="5398992" y="5846317"/>
+                  <a:pt x="3949969" y="194751"/>
                 </a:lnTo>
                 <a:cubicBezTo>
-                  <a:pt x="5236014" y="5980818"/>
-                  <a:pt x="5059904" y="6099975"/>
-                  <a:pt x="4872873" y="6201577"/>
-                </a:cubicBezTo>
-                <a:lnTo>
-                  <a:pt x="4716632" y="6276841"/>
-                </a:lnTo>
-                <a:lnTo>
-                  <a:pt x="1883227" y="6276841"/>
-                </a:lnTo>
-                <a:lnTo>
-                  <a:pt x="1726987" y="6201577"/>
-                </a:lnTo>
-                <a:cubicBezTo>
-                  <a:pt x="698316" y="5642769"/>
-                  <a:pt x="0" y="4552900"/>
-                  <a:pt x="0" y="3299930"/>
+                  <a:pt x="3956729" y="261316"/>
+                  <a:pt x="3960192" y="328856"/>
+                  <a:pt x="3960192" y="397204"/>
                 </a:cubicBezTo>
                 <a:cubicBezTo>
-                  <a:pt x="0" y="1477429"/>
-                  <a:pt x="1477429" y="0"/>
-                  <a:pt x="3299930" y="0"/>
+                  <a:pt x="3960192" y="1490781"/>
+                  <a:pt x="3073673" y="2377300"/>
+                  <a:pt x="1980096" y="2377300"/>
+                </a:cubicBezTo>
+                <a:cubicBezTo>
+                  <a:pt x="886519" y="2377300"/>
+                  <a:pt x="0" y="1490781"/>
+                  <a:pt x="0" y="397204"/>
+                </a:cubicBezTo>
+                <a:cubicBezTo>
+                  <a:pt x="0" y="328856"/>
+                  <a:pt x="3463" y="261316"/>
+                  <a:pt x="10224" y="194751"/>
                 </a:cubicBezTo>
                 <a:close/>
               </a:path>
@@ -7628,10 +7390,428 @@
       </p:sp>
       <p:pic>
         <p:nvPicPr>
-          <p:cNvPr id="7" name="Content Placeholder 4">
-            <a:extLst>
-              <a:ext uri="{FF2B5EF4-FFF2-40B4-BE49-F238E27FC236}">
-                <a16:creationId xmlns:a16="http://schemas.microsoft.com/office/drawing/2014/main" id="{883EA5F9-145B-CF4A-B9A1-776BA779F81F}"/>
+          <p:cNvPr id="4" name="Picture 3" descr="Table&#10;&#10;Description automatically generated">
+            <a:extLst>
+              <a:ext uri="{FF2B5EF4-FFF2-40B4-BE49-F238E27FC236}">
+                <a16:creationId xmlns:a16="http://schemas.microsoft.com/office/drawing/2014/main" id="{80EB27A0-CC14-2146-84F5-8D2D990F111C}"/>
+              </a:ext>
+            </a:extLst>
+          </p:cNvPr>
+          <p:cNvPicPr>
+            <a:picLocks noChangeAspect="1"/>
+          </p:cNvPicPr>
+          <p:nvPr/>
+        </p:nvPicPr>
+        <p:blipFill>
+          <a:blip r:embed="rId4"/>
+          <a:stretch>
+            <a:fillRect/>
+          </a:stretch>
+        </p:blipFill>
+        <p:spPr>
+          <a:xfrm>
+            <a:off x="6980648" y="111300"/>
+            <a:ext cx="2978325" cy="1348083"/>
+          </a:xfrm>
+          <a:prstGeom prst="rect">
+            <a:avLst/>
+          </a:prstGeom>
+        </p:spPr>
+      </p:pic>
+      <p:sp>
+        <p:nvSpPr>
+          <p:cNvPr id="44" name="Content Placeholder 43">
+            <a:extLst>
+              <a:ext uri="{FF2B5EF4-FFF2-40B4-BE49-F238E27FC236}">
+                <a16:creationId xmlns:a16="http://schemas.microsoft.com/office/drawing/2014/main" id="{613FC142-D6B7-4A71-AA1E-CECE9DFBDAF2}"/>
+              </a:ext>
+            </a:extLst>
+          </p:cNvPr>
+          <p:cNvSpPr>
+            <a:spLocks noGrp="1"/>
+          </p:cNvSpPr>
+          <p:nvPr>
+            <p:ph idx="1"/>
+          </p:nvPr>
+        </p:nvSpPr>
+        <p:spPr>
+          <a:xfrm>
+            <a:off x="804672" y="2421682"/>
+            <a:ext cx="5145024" cy="3639289"/>
+          </a:xfrm>
+        </p:spPr>
+        <p:txBody>
+          <a:bodyPr anchor="ctr">
+            <a:normAutofit/>
+          </a:bodyPr>
+          <a:lstStyle/>
+          <a:p>
+            <a:pPr marL="0" indent="0">
+              <a:buNone/>
+            </a:pPr>
+            <a:r>
+              <a:rPr lang="en-US" sz="1700">
+                <a:solidFill>
+                  <a:srgbClr val="000000"/>
+                </a:solidFill>
+              </a:rPr>
+              <a:t>The episodes data, even without the features, does not yet meet 3NF criteria. The </a:t>
+            </a:r>
+            <a:r>
+              <a:rPr lang="en-US" sz="1700" b="1">
+                <a:solidFill>
+                  <a:srgbClr val="000000"/>
+                </a:solidFill>
+              </a:rPr>
+              <a:t>artist_relationship </a:t>
+            </a:r>
+            <a:r>
+              <a:rPr lang="en-US" sz="1700">
+                <a:solidFill>
+                  <a:srgbClr val="000000"/>
+                </a:solidFill>
+              </a:rPr>
+              <a:t>depends on the </a:t>
+            </a:r>
+            <a:r>
+              <a:rPr lang="en-US" sz="1700" b="1">
+                <a:solidFill>
+                  <a:srgbClr val="000000"/>
+                </a:solidFill>
+              </a:rPr>
+              <a:t>artist_name </a:t>
+            </a:r>
+            <a:r>
+              <a:rPr lang="en-US" sz="1700">
+                <a:solidFill>
+                  <a:srgbClr val="000000"/>
+                </a:solidFill>
+              </a:rPr>
+              <a:t>but is not a candidate key.</a:t>
+            </a:r>
+          </a:p>
+          <a:p>
+            <a:pPr marL="0" indent="0">
+              <a:buNone/>
+            </a:pPr>
+            <a:r>
+              <a:rPr lang="en-US" sz="1700">
+                <a:solidFill>
+                  <a:srgbClr val="000000"/>
+                </a:solidFill>
+              </a:rPr>
+              <a:t>To meet 3NF criteria, I moved </a:t>
+            </a:r>
+            <a:r>
+              <a:rPr lang="en-US" sz="1700" b="1">
+                <a:solidFill>
+                  <a:srgbClr val="000000"/>
+                </a:solidFill>
+              </a:rPr>
+              <a:t>artist_name </a:t>
+            </a:r>
+            <a:r>
+              <a:rPr lang="en-US" sz="1700">
+                <a:solidFill>
+                  <a:srgbClr val="000000"/>
+                </a:solidFill>
+              </a:rPr>
+              <a:t>and </a:t>
+            </a:r>
+            <a:r>
+              <a:rPr lang="en-US" sz="1700" b="1">
+                <a:solidFill>
+                  <a:srgbClr val="000000"/>
+                </a:solidFill>
+              </a:rPr>
+              <a:t>artist_relationship</a:t>
+            </a:r>
+            <a:r>
+              <a:rPr lang="en-US" sz="1700">
+                <a:solidFill>
+                  <a:srgbClr val="000000"/>
+                </a:solidFill>
+              </a:rPr>
+              <a:t> (as </a:t>
+            </a:r>
+            <a:r>
+              <a:rPr lang="en-US" sz="1700" b="1">
+                <a:solidFill>
+                  <a:srgbClr val="000000"/>
+                </a:solidFill>
+              </a:rPr>
+              <a:t>relationship</a:t>
+            </a:r>
+            <a:r>
+              <a:rPr lang="en-US" sz="1700">
+                <a:solidFill>
+                  <a:srgbClr val="000000"/>
+                </a:solidFill>
+              </a:rPr>
+              <a:t>) to their own table, </a:t>
+            </a:r>
+            <a:r>
+              <a:rPr lang="en-US" sz="1700" i="1">
+                <a:solidFill>
+                  <a:srgbClr val="000000"/>
+                </a:solidFill>
+              </a:rPr>
+              <a:t>artists</a:t>
+            </a:r>
+            <a:r>
+              <a:rPr lang="en-US" sz="1700">
+                <a:solidFill>
+                  <a:srgbClr val="000000"/>
+                </a:solidFill>
+              </a:rPr>
+              <a:t>. Because there is a one-to-many relationship between artists and episodes, I made a connection directly from the new </a:t>
+            </a:r>
+            <a:r>
+              <a:rPr lang="en-US" sz="1700" i="1">
+                <a:solidFill>
+                  <a:srgbClr val="000000"/>
+                </a:solidFill>
+              </a:rPr>
+              <a:t>artists</a:t>
+            </a:r>
+            <a:r>
+              <a:rPr lang="en-US" sz="1700">
+                <a:solidFill>
+                  <a:srgbClr val="000000"/>
+                </a:solidFill>
+              </a:rPr>
+              <a:t> table to the </a:t>
+            </a:r>
+            <a:r>
+              <a:rPr lang="en-US" sz="1700" i="1">
+                <a:solidFill>
+                  <a:srgbClr val="000000"/>
+                </a:solidFill>
+              </a:rPr>
+              <a:t>episodes</a:t>
+            </a:r>
+            <a:r>
+              <a:rPr lang="en-US" sz="1700">
+                <a:solidFill>
+                  <a:srgbClr val="000000"/>
+                </a:solidFill>
+              </a:rPr>
+              <a:t> table.</a:t>
+            </a:r>
+          </a:p>
+          <a:p>
+            <a:pPr marL="0" indent="0">
+              <a:buNone/>
+            </a:pPr>
+            <a:r>
+              <a:rPr lang="en-US" sz="1700">
+                <a:solidFill>
+                  <a:srgbClr val="000000"/>
+                </a:solidFill>
+              </a:rPr>
+              <a:t>The data now meet 3NF criteria because…</a:t>
+            </a:r>
+          </a:p>
+          <a:p>
+            <a:r>
+              <a:rPr lang="en-US" sz="1700">
+                <a:solidFill>
+                  <a:srgbClr val="000000"/>
+                </a:solidFill>
+              </a:rPr>
+              <a:t>The data still meets 2NF criteria</a:t>
+            </a:r>
+          </a:p>
+          <a:p>
+            <a:r>
+              <a:rPr lang="en-US" sz="1700">
+                <a:solidFill>
+                  <a:srgbClr val="000000"/>
+                </a:solidFill>
+              </a:rPr>
+              <a:t>There are no transitive dependencies - there are no columns in any table that depend on anything other than their primary key(s)</a:t>
+            </a:r>
+          </a:p>
+        </p:txBody>
+      </p:sp>
+      <p:sp>
+        <p:nvSpPr>
+          <p:cNvPr id="137" name="Freeform 67">
+            <a:extLst>
+              <a:ext uri="{FF2B5EF4-FFF2-40B4-BE49-F238E27FC236}">
+                <a16:creationId xmlns:a16="http://schemas.microsoft.com/office/drawing/2014/main" id="{3FA1383B-2709-4E36-8FF8-7A737213B4CB}"/>
+              </a:ext>
+              <a:ext uri="{C183D7F6-B498-43B3-948B-1728B52AA6E4}">
+                <adec:decorative xmlns:adec="http://schemas.microsoft.com/office/drawing/2017/decorative" val="1"/>
+              </a:ext>
+            </a:extLst>
+          </p:cNvPr>
+          <p:cNvSpPr>
+            <a:spLocks noGrp="1" noRot="1" noChangeAspect="1" noMove="1" noResize="1" noEditPoints="1" noAdjustHandles="1" noChangeArrowheads="1" noChangeShapeType="1" noTextEdit="1"/>
+          </p:cNvSpPr>
+          <p:nvPr>
+            <p:extLst>
+              <p:ext uri="{386F3935-93C4-4BCD-93E2-E3B085C9AB24}">
+                <p16:designElem xmlns:p16="http://schemas.microsoft.com/office/powerpoint/2015/main" val="1"/>
+              </p:ext>
+            </p:extLst>
+          </p:nvPr>
+        </p:nvSpPr>
+        <p:spPr>
+          <a:xfrm>
+            <a:off x="7457503" y="3006774"/>
+            <a:ext cx="4734497" cy="3851226"/>
+          </a:xfrm>
+          <a:custGeom>
+            <a:avLst/>
+            <a:gdLst>
+              <a:gd name="connsiteX0" fmla="*/ 2718646 w 4647408"/>
+              <a:gd name="connsiteY0" fmla="*/ 0 h 3780384"/>
+              <a:gd name="connsiteX1" fmla="*/ 4641019 w 4647408"/>
+              <a:gd name="connsiteY1" fmla="*/ 796273 h 3780384"/>
+              <a:gd name="connsiteX2" fmla="*/ 4647408 w 4647408"/>
+              <a:gd name="connsiteY2" fmla="*/ 803303 h 3780384"/>
+              <a:gd name="connsiteX3" fmla="*/ 4647408 w 4647408"/>
+              <a:gd name="connsiteY3" fmla="*/ 3780384 h 3780384"/>
+              <a:gd name="connsiteX4" fmla="*/ 215340 w 4647408"/>
+              <a:gd name="connsiteY4" fmla="*/ 3780384 h 3780384"/>
+              <a:gd name="connsiteX5" fmla="*/ 213645 w 4647408"/>
+              <a:gd name="connsiteY5" fmla="*/ 3776866 h 3780384"/>
+              <a:gd name="connsiteX6" fmla="*/ 0 w 4647408"/>
+              <a:gd name="connsiteY6" fmla="*/ 2718646 h 3780384"/>
+              <a:gd name="connsiteX7" fmla="*/ 2718646 w 4647408"/>
+              <a:gd name="connsiteY7" fmla="*/ 0 h 3780384"/>
+            </a:gdLst>
+            <a:ahLst/>
+            <a:cxnLst>
+              <a:cxn ang="0">
+                <a:pos x="connsiteX0" y="connsiteY0"/>
+              </a:cxn>
+              <a:cxn ang="0">
+                <a:pos x="connsiteX1" y="connsiteY1"/>
+              </a:cxn>
+              <a:cxn ang="0">
+                <a:pos x="connsiteX2" y="connsiteY2"/>
+              </a:cxn>
+              <a:cxn ang="0">
+                <a:pos x="connsiteX3" y="connsiteY3"/>
+              </a:cxn>
+              <a:cxn ang="0">
+                <a:pos x="connsiteX4" y="connsiteY4"/>
+              </a:cxn>
+              <a:cxn ang="0">
+                <a:pos x="connsiteX5" y="connsiteY5"/>
+              </a:cxn>
+              <a:cxn ang="0">
+                <a:pos x="connsiteX6" y="connsiteY6"/>
+              </a:cxn>
+              <a:cxn ang="0">
+                <a:pos x="connsiteX7" y="connsiteY7"/>
+              </a:cxn>
+            </a:cxnLst>
+            <a:rect l="l" t="t" r="r" b="b"/>
+            <a:pathLst>
+              <a:path w="4647408" h="3780384">
+                <a:moveTo>
+                  <a:pt x="2718646" y="0"/>
+                </a:moveTo>
+                <a:cubicBezTo>
+                  <a:pt x="3469379" y="0"/>
+                  <a:pt x="4149041" y="304295"/>
+                  <a:pt x="4641019" y="796273"/>
+                </a:cubicBezTo>
+                <a:lnTo>
+                  <a:pt x="4647408" y="803303"/>
+                </a:lnTo>
+                <a:lnTo>
+                  <a:pt x="4647408" y="3780384"/>
+                </a:lnTo>
+                <a:lnTo>
+                  <a:pt x="215340" y="3780384"/>
+                </a:lnTo>
+                <a:lnTo>
+                  <a:pt x="213645" y="3776866"/>
+                </a:lnTo>
+                <a:cubicBezTo>
+                  <a:pt x="76074" y="3451612"/>
+                  <a:pt x="0" y="3094013"/>
+                  <a:pt x="0" y="2718646"/>
+                </a:cubicBezTo>
+                <a:cubicBezTo>
+                  <a:pt x="0" y="1217179"/>
+                  <a:pt x="1217179" y="0"/>
+                  <a:pt x="2718646" y="0"/>
+                </a:cubicBezTo>
+                <a:close/>
+              </a:path>
+            </a:pathLst>
+          </a:custGeom>
+          <a:solidFill>
+            <a:srgbClr val="FFFFFF"/>
+          </a:solidFill>
+          <a:ln>
+            <a:gradFill>
+              <a:gsLst>
+                <a:gs pos="0">
+                  <a:schemeClr val="accent1">
+                    <a:lumMod val="40000"/>
+                    <a:lumOff val="60000"/>
+                  </a:schemeClr>
+                </a:gs>
+                <a:gs pos="23000">
+                  <a:schemeClr val="accent1">
+                    <a:lumMod val="45000"/>
+                    <a:lumOff val="55000"/>
+                  </a:schemeClr>
+                </a:gs>
+                <a:gs pos="83000">
+                  <a:schemeClr val="bg2">
+                    <a:lumMod val="75000"/>
+                  </a:schemeClr>
+                </a:gs>
+                <a:gs pos="100000">
+                  <a:schemeClr val="bg2">
+                    <a:lumMod val="75000"/>
+                  </a:schemeClr>
+                </a:gs>
+              </a:gsLst>
+              <a:lin ang="5400000" scaled="1"/>
+            </a:gradFill>
+          </a:ln>
+        </p:spPr>
+        <p:style>
+          <a:lnRef idx="2">
+            <a:schemeClr val="accent1">
+              <a:shade val="50000"/>
+            </a:schemeClr>
+          </a:lnRef>
+          <a:fillRef idx="1">
+            <a:schemeClr val="accent1"/>
+          </a:fillRef>
+          <a:effectRef idx="0">
+            <a:schemeClr val="accent1"/>
+          </a:effectRef>
+          <a:fontRef idx="minor">
+            <a:schemeClr val="lt1"/>
+          </a:fontRef>
+        </p:style>
+        <p:txBody>
+          <a:bodyPr wrap="square" rtlCol="0" anchor="ctr">
+            <a:noAutofit/>
+          </a:bodyPr>
+          <a:lstStyle/>
+          <a:p>
+            <a:pPr algn="ctr"/>
+            <a:endParaRPr lang="en-US"/>
+          </a:p>
+        </p:txBody>
+      </p:sp>
+      <p:pic>
+        <p:nvPicPr>
+          <p:cNvPr id="8" name="Content Placeholder 6" descr="Diagram&#10;&#10;Description automatically generated">
+            <a:extLst>
+              <a:ext uri="{FF2B5EF4-FFF2-40B4-BE49-F238E27FC236}">
+                <a16:creationId xmlns:a16="http://schemas.microsoft.com/office/drawing/2014/main" id="{89FCF527-C8B5-B045-BCFD-83F7AA8A0302}"/>
               </a:ext>
             </a:extLst>
           </p:cNvPr>
@@ -7641,14 +7821,14 @@
           <p:nvPr/>
         </p:nvPicPr>
         <p:blipFill rotWithShape="1">
-          <a:blip r:embed="rId3"/>
-          <a:srcRect l="-4417" t="-67326" r="-20663" b="-87101"/>
+          <a:blip r:embed="rId5"/>
+          <a:srcRect l="-14749" t="-30904" r="-21901" b="-98886"/>
           <a:stretch/>
         </p:blipFill>
         <p:spPr>
           <a:xfrm>
-            <a:off x="6726816" y="581159"/>
-            <a:ext cx="6546272" cy="6591166"/>
+            <a:off x="7457502" y="3031623"/>
+            <a:ext cx="5539169" cy="5526589"/>
           </a:xfrm>
           <a:prstGeom prst="ellipse">
             <a:avLst/>

--- a/Ross Joy of Painting/hw04_Over_Lisa_ross_db_model.pptx
+++ b/Ross Joy of Painting/hw04_Over_Lisa_ross_db_model.pptx
@@ -203,7 +203,7 @@
           <a:p>
             <a:fld id="{6831E22B-9873-A448-AE08-4DDD3B823C68}" type="datetimeFigureOut">
               <a:rPr lang="en-US" smtClean="0"/>
-              <a:t>3/9/21</a:t>
+              <a:t>3/10/21</a:t>
             </a:fld>
             <a:endParaRPr lang="en-US"/>
           </a:p>
@@ -701,7 +701,7 @@
           <a:p>
             <a:fld id="{B35E71E4-6124-034D-B2B1-03D434D48E1D}" type="datetimeFigureOut">
               <a:rPr lang="en-US" smtClean="0"/>
-              <a:t>3/9/21</a:t>
+              <a:t>3/10/21</a:t>
             </a:fld>
             <a:endParaRPr lang="en-US"/>
           </a:p>
@@ -899,7 +899,7 @@
           <a:p>
             <a:fld id="{B35E71E4-6124-034D-B2B1-03D434D48E1D}" type="datetimeFigureOut">
               <a:rPr lang="en-US" smtClean="0"/>
-              <a:t>3/9/21</a:t>
+              <a:t>3/10/21</a:t>
             </a:fld>
             <a:endParaRPr lang="en-US"/>
           </a:p>
@@ -1107,7 +1107,7 @@
           <a:p>
             <a:fld id="{B35E71E4-6124-034D-B2B1-03D434D48E1D}" type="datetimeFigureOut">
               <a:rPr lang="en-US" smtClean="0"/>
-              <a:t>3/9/21</a:t>
+              <a:t>3/10/21</a:t>
             </a:fld>
             <a:endParaRPr lang="en-US"/>
           </a:p>
@@ -1305,7 +1305,7 @@
           <a:p>
             <a:fld id="{B35E71E4-6124-034D-B2B1-03D434D48E1D}" type="datetimeFigureOut">
               <a:rPr lang="en-US" smtClean="0"/>
-              <a:t>3/9/21</a:t>
+              <a:t>3/10/21</a:t>
             </a:fld>
             <a:endParaRPr lang="en-US"/>
           </a:p>
@@ -1580,7 +1580,7 @@
           <a:p>
             <a:fld id="{B35E71E4-6124-034D-B2B1-03D434D48E1D}" type="datetimeFigureOut">
               <a:rPr lang="en-US" smtClean="0"/>
-              <a:t>3/9/21</a:t>
+              <a:t>3/10/21</a:t>
             </a:fld>
             <a:endParaRPr lang="en-US"/>
           </a:p>
@@ -1845,7 +1845,7 @@
           <a:p>
             <a:fld id="{B35E71E4-6124-034D-B2B1-03D434D48E1D}" type="datetimeFigureOut">
               <a:rPr lang="en-US" smtClean="0"/>
-              <a:t>3/9/21</a:t>
+              <a:t>3/10/21</a:t>
             </a:fld>
             <a:endParaRPr lang="en-US"/>
           </a:p>
@@ -2257,7 +2257,7 @@
           <a:p>
             <a:fld id="{B35E71E4-6124-034D-B2B1-03D434D48E1D}" type="datetimeFigureOut">
               <a:rPr lang="en-US" smtClean="0"/>
-              <a:t>3/9/21</a:t>
+              <a:t>3/10/21</a:t>
             </a:fld>
             <a:endParaRPr lang="en-US"/>
           </a:p>
@@ -2398,7 +2398,7 @@
           <a:p>
             <a:fld id="{B35E71E4-6124-034D-B2B1-03D434D48E1D}" type="datetimeFigureOut">
               <a:rPr lang="en-US" smtClean="0"/>
-              <a:t>3/9/21</a:t>
+              <a:t>3/10/21</a:t>
             </a:fld>
             <a:endParaRPr lang="en-US"/>
           </a:p>
@@ -2511,7 +2511,7 @@
           <a:p>
             <a:fld id="{B35E71E4-6124-034D-B2B1-03D434D48E1D}" type="datetimeFigureOut">
               <a:rPr lang="en-US" smtClean="0"/>
-              <a:t>3/9/21</a:t>
+              <a:t>3/10/21</a:t>
             </a:fld>
             <a:endParaRPr lang="en-US"/>
           </a:p>
@@ -2822,7 +2822,7 @@
           <a:p>
             <a:fld id="{B35E71E4-6124-034D-B2B1-03D434D48E1D}" type="datetimeFigureOut">
               <a:rPr lang="en-US" smtClean="0"/>
-              <a:t>3/9/21</a:t>
+              <a:t>3/10/21</a:t>
             </a:fld>
             <a:endParaRPr lang="en-US"/>
           </a:p>
@@ -3110,7 +3110,7 @@
           <a:p>
             <a:fld id="{B35E71E4-6124-034D-B2B1-03D434D48E1D}" type="datetimeFigureOut">
               <a:rPr lang="en-US" smtClean="0"/>
-              <a:t>3/9/21</a:t>
+              <a:t>3/10/21</a:t>
             </a:fld>
             <a:endParaRPr lang="en-US"/>
           </a:p>
@@ -3351,7 +3351,7 @@
           <a:p>
             <a:fld id="{B35E71E4-6124-034D-B2B1-03D434D48E1D}" type="datetimeFigureOut">
               <a:rPr lang="en-US" smtClean="0"/>
-              <a:t>3/9/21</a:t>
+              <a:t>3/10/21</a:t>
             </a:fld>
             <a:endParaRPr lang="en-US"/>
           </a:p>
@@ -5866,7 +5866,7 @@
                   <a:srgbClr val="000000"/>
                 </a:solidFill>
               </a:rPr>
-              <a:t>The data was also in 1NF when the feature names were columns, because each column only had one value. However, that wide format made it difficult to add new or rename features. The wide format also made it more difficult to search the data because one had to include multiple column names in a query rather than searching one column for one or more values in a list.</a:t>
+              <a:t>The data was also in 1NF when the feature names were columns, because each column only had one value. However, that wide format made it difficult to add new or rename features. The wide format also made it more difficult to search the data because one had to include multiple WHERE clause conditions in a query rather than searching one column for one or more values in a list.</a:t>
             </a:r>
           </a:p>
         </p:txBody>
@@ -6976,10 +6976,10 @@
       </p:pic>
       <p:pic>
         <p:nvPicPr>
-          <p:cNvPr id="7" name="Picture 6" descr="Table&#10;&#10;Description automatically generated">
-            <a:extLst>
-              <a:ext uri="{FF2B5EF4-FFF2-40B4-BE49-F238E27FC236}">
-                <a16:creationId xmlns:a16="http://schemas.microsoft.com/office/drawing/2014/main" id="{7BA2ED89-F87C-6842-84CF-BEEF812C7558}"/>
+          <p:cNvPr id="5" name="Picture 4" descr="Table&#10;&#10;Description automatically generated">
+            <a:extLst>
+              <a:ext uri="{FF2B5EF4-FFF2-40B4-BE49-F238E27FC236}">
+                <a16:creationId xmlns:a16="http://schemas.microsoft.com/office/drawing/2014/main" id="{301CC336-6CAA-5F42-B808-DFC121A48577}"/>
               </a:ext>
             </a:extLst>
           </p:cNvPr>
@@ -6990,13 +6990,13 @@
         </p:nvPicPr>
         <p:blipFill rotWithShape="1">
           <a:blip r:embed="rId4"/>
-          <a:srcRect l="-47322" t="-62880" r="-47322" b="18983"/>
+          <a:srcRect l="-51862" t="-58497" r="-51862" b="14186"/>
           <a:stretch/>
         </p:blipFill>
         <p:spPr>
           <a:xfrm>
-            <a:off x="1763882" y="-1667435"/>
-            <a:ext cx="3880988" cy="3856018"/>
+            <a:off x="1763882" y="-1414268"/>
+            <a:ext cx="3880988" cy="3592203"/>
           </a:xfrm>
           <a:prstGeom prst="ellipse">
             <a:avLst/>

--- a/Ross Joy of Painting/hw04_Over_Lisa_ross_db_model.pptx
+++ b/Ross Joy of Painting/hw04_Over_Lisa_ross_db_model.pptx
@@ -203,7 +203,7 @@
           <a:p>
             <a:fld id="{6831E22B-9873-A448-AE08-4DDD3B823C68}" type="datetimeFigureOut">
               <a:rPr lang="en-US" smtClean="0"/>
-              <a:t>3/10/21</a:t>
+              <a:t>4/1/21</a:t>
             </a:fld>
             <a:endParaRPr lang="en-US"/>
           </a:p>
@@ -701,7 +701,7 @@
           <a:p>
             <a:fld id="{B35E71E4-6124-034D-B2B1-03D434D48E1D}" type="datetimeFigureOut">
               <a:rPr lang="en-US" smtClean="0"/>
-              <a:t>3/10/21</a:t>
+              <a:t>4/1/21</a:t>
             </a:fld>
             <a:endParaRPr lang="en-US"/>
           </a:p>
@@ -899,7 +899,7 @@
           <a:p>
             <a:fld id="{B35E71E4-6124-034D-B2B1-03D434D48E1D}" type="datetimeFigureOut">
               <a:rPr lang="en-US" smtClean="0"/>
-              <a:t>3/10/21</a:t>
+              <a:t>4/1/21</a:t>
             </a:fld>
             <a:endParaRPr lang="en-US"/>
           </a:p>
@@ -1107,7 +1107,7 @@
           <a:p>
             <a:fld id="{B35E71E4-6124-034D-B2B1-03D434D48E1D}" type="datetimeFigureOut">
               <a:rPr lang="en-US" smtClean="0"/>
-              <a:t>3/10/21</a:t>
+              <a:t>4/1/21</a:t>
             </a:fld>
             <a:endParaRPr lang="en-US"/>
           </a:p>
@@ -1305,7 +1305,7 @@
           <a:p>
             <a:fld id="{B35E71E4-6124-034D-B2B1-03D434D48E1D}" type="datetimeFigureOut">
               <a:rPr lang="en-US" smtClean="0"/>
-              <a:t>3/10/21</a:t>
+              <a:t>4/1/21</a:t>
             </a:fld>
             <a:endParaRPr lang="en-US"/>
           </a:p>
@@ -1580,7 +1580,7 @@
           <a:p>
             <a:fld id="{B35E71E4-6124-034D-B2B1-03D434D48E1D}" type="datetimeFigureOut">
               <a:rPr lang="en-US" smtClean="0"/>
-              <a:t>3/10/21</a:t>
+              <a:t>4/1/21</a:t>
             </a:fld>
             <a:endParaRPr lang="en-US"/>
           </a:p>
@@ -1845,7 +1845,7 @@
           <a:p>
             <a:fld id="{B35E71E4-6124-034D-B2B1-03D434D48E1D}" type="datetimeFigureOut">
               <a:rPr lang="en-US" smtClean="0"/>
-              <a:t>3/10/21</a:t>
+              <a:t>4/1/21</a:t>
             </a:fld>
             <a:endParaRPr lang="en-US"/>
           </a:p>
@@ -2257,7 +2257,7 @@
           <a:p>
             <a:fld id="{B35E71E4-6124-034D-B2B1-03D434D48E1D}" type="datetimeFigureOut">
               <a:rPr lang="en-US" smtClean="0"/>
-              <a:t>3/10/21</a:t>
+              <a:t>4/1/21</a:t>
             </a:fld>
             <a:endParaRPr lang="en-US"/>
           </a:p>
@@ -2398,7 +2398,7 @@
           <a:p>
             <a:fld id="{B35E71E4-6124-034D-B2B1-03D434D48E1D}" type="datetimeFigureOut">
               <a:rPr lang="en-US" smtClean="0"/>
-              <a:t>3/10/21</a:t>
+              <a:t>4/1/21</a:t>
             </a:fld>
             <a:endParaRPr lang="en-US"/>
           </a:p>
@@ -2511,7 +2511,7 @@
           <a:p>
             <a:fld id="{B35E71E4-6124-034D-B2B1-03D434D48E1D}" type="datetimeFigureOut">
               <a:rPr lang="en-US" smtClean="0"/>
-              <a:t>3/10/21</a:t>
+              <a:t>4/1/21</a:t>
             </a:fld>
             <a:endParaRPr lang="en-US"/>
           </a:p>
@@ -2822,7 +2822,7 @@
           <a:p>
             <a:fld id="{B35E71E4-6124-034D-B2B1-03D434D48E1D}" type="datetimeFigureOut">
               <a:rPr lang="en-US" smtClean="0"/>
-              <a:t>3/10/21</a:t>
+              <a:t>4/1/21</a:t>
             </a:fld>
             <a:endParaRPr lang="en-US"/>
           </a:p>
@@ -3110,7 +3110,7 @@
           <a:p>
             <a:fld id="{B35E71E4-6124-034D-B2B1-03D434D48E1D}" type="datetimeFigureOut">
               <a:rPr lang="en-US" smtClean="0"/>
-              <a:t>3/10/21</a:t>
+              <a:t>4/1/21</a:t>
             </a:fld>
             <a:endParaRPr lang="en-US"/>
           </a:p>
@@ -3351,7 +3351,7 @@
           <a:p>
             <a:fld id="{B35E71E4-6124-034D-B2B1-03D434D48E1D}" type="datetimeFigureOut">
               <a:rPr lang="en-US" smtClean="0"/>
-              <a:t>3/10/21</a:t>
+              <a:t>4/1/21</a:t>
             </a:fld>
             <a:endParaRPr lang="en-US"/>
           </a:p>
@@ -5820,7 +5820,7 @@
         </p:spPr>
         <p:txBody>
           <a:bodyPr anchor="t">
-            <a:normAutofit lnSpcReduction="10000"/>
+            <a:normAutofit fontScale="92500" lnSpcReduction="10000"/>
           </a:bodyPr>
           <a:lstStyle/>
           <a:p>
@@ -5833,7 +5833,23 @@
                   <a:srgbClr val="000000"/>
                 </a:solidFill>
               </a:rPr>
-              <a:t>Tidy data meet 1NF criteria…</a:t>
+              <a:t>The Bob Ross Joy </a:t>
+            </a:r>
+            <a:r>
+              <a:rPr lang="en-US" sz="1800">
+                <a:solidFill>
+                  <a:srgbClr val="000000"/>
+                </a:solidFill>
+              </a:rPr>
+              <a:t>of Painting data </a:t>
+            </a:r>
+            <a:r>
+              <a:rPr lang="en-US" sz="1800" dirty="0">
+                <a:solidFill>
+                  <a:srgbClr val="000000"/>
+                </a:solidFill>
+              </a:rPr>
+              <a:t>meet 1NF criteria…</a:t>
             </a:r>
           </a:p>
           <a:p>
